--- a/Private Assembly.pptx
+++ b/Private Assembly.pptx
@@ -288,7 +288,7 @@
           <a:p>
             <a:fld id="{60DCFBB9-1026-4BAB-9661-64AD9DD05C01}" type="datetimeFigureOut">
               <a:rPr lang="en-US" smtClean="0"/>
-              <a:t>10/03/2014</a:t>
+              <a:t>4/19/2019</a:t>
             </a:fld>
             <a:endParaRPr lang="en-US"/>
           </a:p>
@@ -456,7 +456,7 @@
           <a:p>
             <a:fld id="{60DCFBB9-1026-4BAB-9661-64AD9DD05C01}" type="datetimeFigureOut">
               <a:rPr lang="en-US" smtClean="0"/>
-              <a:t>10/03/2014</a:t>
+              <a:t>4/19/2019</a:t>
             </a:fld>
             <a:endParaRPr lang="en-US"/>
           </a:p>
@@ -634,7 +634,7 @@
           <a:p>
             <a:fld id="{60DCFBB9-1026-4BAB-9661-64AD9DD05C01}" type="datetimeFigureOut">
               <a:rPr lang="en-US" smtClean="0"/>
-              <a:t>10/03/2014</a:t>
+              <a:t>4/19/2019</a:t>
             </a:fld>
             <a:endParaRPr lang="en-US"/>
           </a:p>
@@ -802,7 +802,7 @@
           <a:p>
             <a:fld id="{60DCFBB9-1026-4BAB-9661-64AD9DD05C01}" type="datetimeFigureOut">
               <a:rPr lang="en-US" smtClean="0"/>
-              <a:t>10/03/2014</a:t>
+              <a:t>4/19/2019</a:t>
             </a:fld>
             <a:endParaRPr lang="en-US"/>
           </a:p>
@@ -1047,7 +1047,7 @@
           <a:p>
             <a:fld id="{60DCFBB9-1026-4BAB-9661-64AD9DD05C01}" type="datetimeFigureOut">
               <a:rPr lang="en-US" smtClean="0"/>
-              <a:t>10/03/2014</a:t>
+              <a:t>4/19/2019</a:t>
             </a:fld>
             <a:endParaRPr lang="en-US"/>
           </a:p>
@@ -1314,7 +1314,7 @@
           <a:p>
             <a:fld id="{60DCFBB9-1026-4BAB-9661-64AD9DD05C01}" type="datetimeFigureOut">
               <a:rPr lang="en-US" smtClean="0"/>
-              <a:t>10/03/2014</a:t>
+              <a:t>4/19/2019</a:t>
             </a:fld>
             <a:endParaRPr lang="en-US"/>
           </a:p>
@@ -1695,7 +1695,7 @@
           <a:p>
             <a:fld id="{60DCFBB9-1026-4BAB-9661-64AD9DD05C01}" type="datetimeFigureOut">
               <a:rPr lang="en-US" smtClean="0"/>
-              <a:t>10/03/2014</a:t>
+              <a:t>4/19/2019</a:t>
             </a:fld>
             <a:endParaRPr lang="en-US"/>
           </a:p>
@@ -1848,7 +1848,7 @@
           <a:p>
             <a:fld id="{60DCFBB9-1026-4BAB-9661-64AD9DD05C01}" type="datetimeFigureOut">
               <a:rPr lang="en-US" smtClean="0"/>
-              <a:t>10/03/2014</a:t>
+              <a:t>4/19/2019</a:t>
             </a:fld>
             <a:endParaRPr lang="en-US"/>
           </a:p>
@@ -1941,7 +1941,7 @@
           <a:p>
             <a:fld id="{60DCFBB9-1026-4BAB-9661-64AD9DD05C01}" type="datetimeFigureOut">
               <a:rPr lang="en-US" smtClean="0"/>
-              <a:t>10/03/2014</a:t>
+              <a:t>4/19/2019</a:t>
             </a:fld>
             <a:endParaRPr lang="en-US"/>
           </a:p>
@@ -2205,7 +2205,7 @@
           <a:p>
             <a:fld id="{60DCFBB9-1026-4BAB-9661-64AD9DD05C01}" type="datetimeFigureOut">
               <a:rPr lang="en-US" smtClean="0"/>
-              <a:t>10/03/2014</a:t>
+              <a:t>4/19/2019</a:t>
             </a:fld>
             <a:endParaRPr lang="en-US"/>
           </a:p>
@@ -2496,7 +2496,7 @@
           <a:p>
             <a:fld id="{60DCFBB9-1026-4BAB-9661-64AD9DD05C01}" type="datetimeFigureOut">
               <a:rPr lang="en-US" smtClean="0"/>
-              <a:t>10/03/2014</a:t>
+              <a:t>4/19/2019</a:t>
             </a:fld>
             <a:endParaRPr lang="en-US"/>
           </a:p>
@@ -3270,7 +3270,7 @@
           <a:p>
             <a:fld id="{60DCFBB9-1026-4BAB-9661-64AD9DD05C01}" type="datetimeFigureOut">
               <a:rPr lang="en-US" smtClean="0"/>
-              <a:t>10/03/2014</a:t>
+              <a:t>4/19/2019</a:t>
             </a:fld>
             <a:endParaRPr lang="en-US"/>
           </a:p>
@@ -3934,7 +3934,7 @@
       </p:sp>
       <p:sp>
         <p:nvSpPr>
-          <p:cNvPr id="3" name="Subtitle 2"/>
+          <p:cNvPr id="4" name="Subtitle 3"/>
           <p:cNvSpPr>
             <a:spLocks noGrp="1"/>
           </p:cNvSpPr>
@@ -3942,34 +3942,12 @@
             <p:ph type="subTitle" idx="1"/>
           </p:nvPr>
         </p:nvSpPr>
-        <p:spPr>
-          <a:xfrm>
-            <a:off x="6172200" y="5486400"/>
-            <a:ext cx="2743200" cy="762000"/>
-          </a:xfrm>
-        </p:spPr>
-        <p:txBody>
-          <a:bodyPr>
-            <a:normAutofit fontScale="92500" lnSpcReduction="20000"/>
-          </a:bodyPr>
-          <a:lstStyle/>
-          <a:p>
-            <a:pPr algn="l"/>
-            <a:r>
-              <a:rPr lang="en-US" dirty="0" smtClean="0"/>
-              <a:t>Presentation  by</a:t>
-            </a:r>
-          </a:p>
-          <a:p>
-            <a:pPr algn="l"/>
-            <a:r>
-              <a:rPr lang="en-US" dirty="0" smtClean="0"/>
-              <a:t>Abhishek Shah</a:t>
-            </a:r>
-          </a:p>
-          <a:p>
-            <a:pPr algn="l"/>
-            <a:endParaRPr lang="en-US" dirty="0"/>
+        <p:spPr/>
+        <p:txBody>
+          <a:bodyPr/>
+          <a:lstStyle/>
+          <a:p>
+            <a:endParaRPr lang="en-IN"/>
           </a:p>
         </p:txBody>
       </p:sp>
@@ -4551,19 +4529,8 @@
                 <a:latin typeface="Times New Roman" pitchFamily="18" charset="0"/>
                 <a:cs typeface="Times New Roman" pitchFamily="18" charset="0"/>
               </a:rPr>
-              <a:t>Version number of the </a:t>
-            </a:r>
-            <a:r>
-              <a:rPr lang="en-US" dirty="0" smtClean="0">
-                <a:latin typeface="Times New Roman" pitchFamily="18" charset="0"/>
-                <a:cs typeface="Times New Roman" pitchFamily="18" charset="0"/>
-              </a:rPr>
-              <a:t>assembly</a:t>
-            </a:r>
-            <a:endParaRPr lang="en-US" dirty="0" smtClean="0">
-              <a:latin typeface="Times New Roman" pitchFamily="18" charset="0"/>
-              <a:cs typeface="Times New Roman" pitchFamily="18" charset="0"/>
-            </a:endParaRPr>
+              <a:t>Version number of the assembly</a:t>
+            </a:r>
           </a:p>
           <a:p>
             <a:pPr lvl="1">
@@ -4627,14 +4594,7 @@
                 <a:latin typeface="Times New Roman" pitchFamily="18" charset="0"/>
                 <a:cs typeface="Times New Roman" pitchFamily="18" charset="0"/>
               </a:rPr>
-              <a:t>Information about referenced assemblies - Contains list of other assemblies referenced by this assembly. </a:t>
-            </a:r>
-            <a:r>
-              <a:rPr lang="en-US" dirty="0" smtClean="0">
-                <a:latin typeface="Times New Roman" pitchFamily="18" charset="0"/>
-                <a:cs typeface="Times New Roman" pitchFamily="18" charset="0"/>
-              </a:rPr>
-              <a:t>For each assembly referenced we have assembly name, version, culture and public key (if assembly is a global assembly)</a:t>
+              <a:t>Information about referenced assemblies - Contains list of other assemblies referenced by this assembly. For each assembly referenced we have assembly name, version, culture and public key (if assembly is a global assembly)</a:t>
             </a:r>
           </a:p>
           <a:p>
@@ -4755,10 +4715,6 @@
               </a:rPr>
               <a:t>This section of an assembly contains information about all classes, structure etc. created in the assembly. </a:t>
             </a:r>
-            <a:endParaRPr lang="en-US" sz="2200" dirty="0" smtClean="0">
-              <a:latin typeface="Times New Roman" pitchFamily="18" charset="0"/>
-              <a:cs typeface="Times New Roman" pitchFamily="18" charset="0"/>
-            </a:endParaRPr>
           </a:p>
           <a:p>
             <a:pPr>
@@ -4770,14 +4726,7 @@
                 <a:latin typeface="Times New Roman" pitchFamily="18" charset="0"/>
                 <a:cs typeface="Times New Roman" pitchFamily="18" charset="0"/>
               </a:rPr>
-              <a:t>MSIL </a:t>
-            </a:r>
-            <a:r>
-              <a:rPr lang="en-US" b="1" dirty="0" smtClean="0">
-                <a:latin typeface="Times New Roman" pitchFamily="18" charset="0"/>
-                <a:cs typeface="Times New Roman" pitchFamily="18" charset="0"/>
-              </a:rPr>
-              <a:t>Code</a:t>
+              <a:t>MSIL Code</a:t>
             </a:r>
           </a:p>
           <a:p>
@@ -4792,10 +4741,6 @@
               </a:rPr>
               <a:t>MSIL code of the assembly is placed in third part of the assembly. This MSIL is converted to native code by CLR at runtime. </a:t>
             </a:r>
-            <a:endParaRPr lang="en-US" dirty="0" smtClean="0">
-              <a:latin typeface="Times New Roman" pitchFamily="18" charset="0"/>
-              <a:cs typeface="Times New Roman" pitchFamily="18" charset="0"/>
-            </a:endParaRPr>
           </a:p>
           <a:p>
             <a:pPr>
@@ -4809,10 +4754,6 @@
               </a:rPr>
               <a:t>Resource</a:t>
             </a:r>
-            <a:endParaRPr lang="en-US" b="1" dirty="0" smtClean="0">
-              <a:latin typeface="Times New Roman" pitchFamily="18" charset="0"/>
-              <a:cs typeface="Times New Roman" pitchFamily="18" charset="0"/>
-            </a:endParaRPr>
           </a:p>
           <a:p>
             <a:pPr lvl="1">
@@ -4826,10 +4767,6 @@
               </a:rPr>
               <a:t>This section contains messages and pictures used by assembly. </a:t>
             </a:r>
-            <a:endParaRPr lang="en-US" sz="2200" dirty="0" smtClean="0">
-              <a:latin typeface="Times New Roman" pitchFamily="18" charset="0"/>
-              <a:cs typeface="Times New Roman" pitchFamily="18" charset="0"/>
-            </a:endParaRPr>
           </a:p>
           <a:p>
             <a:pPr lvl="1">
@@ -5268,27 +5205,7 @@
             </a:pPr>
             <a:r>
               <a:rPr lang="en-US" sz="2400" dirty="0" smtClean="0"/>
-              <a:t>For most .NET Framework applications, </a:t>
-            </a:r>
-            <a:r>
-              <a:rPr lang="en-US" sz="2400" dirty="0" smtClean="0"/>
-              <a:t>assemblies </a:t>
-            </a:r>
-            <a:r>
-              <a:rPr lang="en-US" sz="2400" dirty="0" smtClean="0"/>
-              <a:t>that make up an application </a:t>
-            </a:r>
-            <a:r>
-              <a:rPr lang="en-US" sz="2400" dirty="0" smtClean="0"/>
-              <a:t> are located in </a:t>
-            </a:r>
-            <a:r>
-              <a:rPr lang="en-US" sz="2400" dirty="0" smtClean="0"/>
-              <a:t>the application's directory, in a subdirectory of the application's directory, or in the global assembly </a:t>
-            </a:r>
-            <a:r>
-              <a:rPr lang="en-US" sz="2400" dirty="0" smtClean="0"/>
-              <a:t>cache.</a:t>
+              <a:t>For most .NET Framework applications, assemblies that make up an application  are located in the application's directory, in a subdirectory of the application's directory, or in the global assembly cache.</a:t>
             </a:r>
           </a:p>
           <a:p>
